--- a/Conference/2603_Moonshot/1_introduction.pptx
+++ b/Conference/2603_Moonshot/1_introduction.pptx
@@ -254,7 +254,7 @@
           <a:p>
             <a:fld id="{F602A9BB-8336-1F4C-AA8D-E45E345636B3}" type="datetimeFigureOut">
               <a:rPr kumimoji="1" lang="ja-JP" altLang="en-US" smtClean="0"/>
-              <a:t>2026/1/9</a:t>
+              <a:t>2026/2/12</a:t>
             </a:fld>
             <a:endParaRPr kumimoji="1" lang="ja-JP" altLang="en-US"/>
           </a:p>
@@ -456,7 +456,7 @@
           <a:p>
             <a:fld id="{F602A9BB-8336-1F4C-AA8D-E45E345636B3}" type="datetimeFigureOut">
               <a:rPr kumimoji="1" lang="ja-JP" altLang="en-US" smtClean="0"/>
-              <a:t>2026/1/9</a:t>
+              <a:t>2026/2/12</a:t>
             </a:fld>
             <a:endParaRPr kumimoji="1" lang="ja-JP" altLang="en-US"/>
           </a:p>
@@ -668,7 +668,7 @@
           <a:p>
             <a:fld id="{F602A9BB-8336-1F4C-AA8D-E45E345636B3}" type="datetimeFigureOut">
               <a:rPr kumimoji="1" lang="ja-JP" altLang="en-US" smtClean="0"/>
-              <a:t>2026/1/9</a:t>
+              <a:t>2026/2/12</a:t>
             </a:fld>
             <a:endParaRPr kumimoji="1" lang="ja-JP" altLang="en-US"/>
           </a:p>
@@ -870,7 +870,7 @@
           <a:p>
             <a:fld id="{F602A9BB-8336-1F4C-AA8D-E45E345636B3}" type="datetimeFigureOut">
               <a:rPr kumimoji="1" lang="ja-JP" altLang="en-US" smtClean="0"/>
-              <a:t>2026/1/9</a:t>
+              <a:t>2026/2/12</a:t>
             </a:fld>
             <a:endParaRPr kumimoji="1" lang="ja-JP" altLang="en-US"/>
           </a:p>
@@ -1114,7 +1114,7 @@
           <a:p>
             <a:fld id="{F602A9BB-8336-1F4C-AA8D-E45E345636B3}" type="datetimeFigureOut">
               <a:rPr kumimoji="1" lang="ja-JP" altLang="en-US" smtClean="0"/>
-              <a:t>2026/1/9</a:t>
+              <a:t>2026/2/12</a:t>
             </a:fld>
             <a:endParaRPr kumimoji="1" lang="ja-JP" altLang="en-US"/>
           </a:p>
@@ -1410,7 +1410,7 @@
           <a:p>
             <a:fld id="{F602A9BB-8336-1F4C-AA8D-E45E345636B3}" type="datetimeFigureOut">
               <a:rPr kumimoji="1" lang="ja-JP" altLang="en-US" smtClean="0"/>
-              <a:t>2026/1/9</a:t>
+              <a:t>2026/2/12</a:t>
             </a:fld>
             <a:endParaRPr kumimoji="1" lang="ja-JP" altLang="en-US"/>
           </a:p>
@@ -1841,7 +1841,7 @@
           <a:p>
             <a:fld id="{F602A9BB-8336-1F4C-AA8D-E45E345636B3}" type="datetimeFigureOut">
               <a:rPr kumimoji="1" lang="ja-JP" altLang="en-US" smtClean="0"/>
-              <a:t>2026/1/9</a:t>
+              <a:t>2026/2/12</a:t>
             </a:fld>
             <a:endParaRPr kumimoji="1" lang="ja-JP" altLang="en-US"/>
           </a:p>
@@ -1959,7 +1959,7 @@
           <a:p>
             <a:fld id="{F602A9BB-8336-1F4C-AA8D-E45E345636B3}" type="datetimeFigureOut">
               <a:rPr kumimoji="1" lang="ja-JP" altLang="en-US" smtClean="0"/>
-              <a:t>2026/1/9</a:t>
+              <a:t>2026/2/12</a:t>
             </a:fld>
             <a:endParaRPr kumimoji="1" lang="ja-JP" altLang="en-US"/>
           </a:p>
@@ -2054,7 +2054,7 @@
           <a:p>
             <a:fld id="{F602A9BB-8336-1F4C-AA8D-E45E345636B3}" type="datetimeFigureOut">
               <a:rPr kumimoji="1" lang="ja-JP" altLang="en-US" smtClean="0"/>
-              <a:t>2026/1/9</a:t>
+              <a:t>2026/2/12</a:t>
             </a:fld>
             <a:endParaRPr kumimoji="1" lang="ja-JP" altLang="en-US"/>
           </a:p>
@@ -2363,7 +2363,7 @@
           <a:p>
             <a:fld id="{F602A9BB-8336-1F4C-AA8D-E45E345636B3}" type="datetimeFigureOut">
               <a:rPr kumimoji="1" lang="ja-JP" altLang="en-US" smtClean="0"/>
-              <a:t>2026/1/9</a:t>
+              <a:t>2026/2/12</a:t>
             </a:fld>
             <a:endParaRPr kumimoji="1" lang="ja-JP" altLang="en-US"/>
           </a:p>
@@ -2620,7 +2620,7 @@
           <a:p>
             <a:fld id="{F602A9BB-8336-1F4C-AA8D-E45E345636B3}" type="datetimeFigureOut">
               <a:rPr kumimoji="1" lang="ja-JP" altLang="en-US" smtClean="0"/>
-              <a:t>2026/1/9</a:t>
+              <a:t>2026/2/12</a:t>
             </a:fld>
             <a:endParaRPr kumimoji="1" lang="ja-JP" altLang="en-US"/>
           </a:p>
@@ -2865,7 +2865,7 @@
           <a:p>
             <a:fld id="{F602A9BB-8336-1F4C-AA8D-E45E345636B3}" type="datetimeFigureOut">
               <a:rPr kumimoji="1" lang="ja-JP" altLang="en-US" smtClean="0"/>
-              <a:t>2026/1/9</a:t>
+              <a:t>2026/2/12</a:t>
             </a:fld>
             <a:endParaRPr kumimoji="1" lang="ja-JP" altLang="en-US"/>
           </a:p>
@@ -3284,8 +3284,8 @@
         </p:nvSpPr>
         <p:spPr>
           <a:xfrm>
-            <a:off x="0" y="840"/>
-            <a:ext cx="13506450" cy="11091863"/>
+            <a:off x="0" y="921184"/>
+            <a:ext cx="13506450" cy="10171519"/>
           </a:xfrm>
           <a:prstGeom prst="rect">
             <a:avLst/>
@@ -3293,9 +3293,9 @@
           <a:solidFill>
             <a:schemeClr val="bg1"/>
           </a:solidFill>
-          <a:ln w="38100">
+          <a:ln w="76200">
             <a:solidFill>
-              <a:schemeClr val="tx1"/>
+              <a:srgbClr val="002060"/>
             </a:solidFill>
           </a:ln>
         </p:spPr>
@@ -3330,62 +3330,6 @@
       </p:sp>
       <p:sp>
         <p:nvSpPr>
-          <p:cNvPr id="5" name="正方形/長方形 4">
-            <a:extLst>
-              <a:ext uri="{FF2B5EF4-FFF2-40B4-BE49-F238E27FC236}">
-                <a16:creationId xmlns:a16="http://schemas.microsoft.com/office/drawing/2014/main" id="{9822BFE0-5368-A0E5-CD70-2BF6856F521D}"/>
-              </a:ext>
-            </a:extLst>
-          </p:cNvPr>
-          <p:cNvSpPr/>
-          <p:nvPr/>
-        </p:nvSpPr>
-        <p:spPr>
-          <a:xfrm>
-            <a:off x="0" y="-1"/>
-            <a:ext cx="13506449" cy="1926771"/>
-          </a:xfrm>
-          <a:prstGeom prst="rect">
-            <a:avLst/>
-          </a:prstGeom>
-          <a:solidFill>
-            <a:schemeClr val="tx1"/>
-          </a:solidFill>
-          <a:ln>
-            <a:noFill/>
-          </a:ln>
-        </p:spPr>
-        <p:style>
-          <a:lnRef idx="2">
-            <a:schemeClr val="accent1">
-              <a:shade val="15000"/>
-            </a:schemeClr>
-          </a:lnRef>
-          <a:fillRef idx="1">
-            <a:schemeClr val="accent1"/>
-          </a:fillRef>
-          <a:effectRef idx="0">
-            <a:schemeClr val="accent1"/>
-          </a:effectRef>
-          <a:fontRef idx="minor">
-            <a:schemeClr val="lt1"/>
-          </a:fontRef>
-        </p:style>
-        <p:txBody>
-          <a:bodyPr rtlCol="0" anchor="ctr"/>
-          <a:lstStyle/>
-          <a:p>
-            <a:pPr algn="ctr"/>
-            <a:endParaRPr kumimoji="1" lang="ja-JP" altLang="en-US">
-              <a:latin typeface="Times New Roman" panose="02020603050405020304" pitchFamily="18" charset="0"/>
-              <a:ea typeface="YuKyokasho Medium" panose="02000500000000000000" pitchFamily="2" charset="-128"/>
-              <a:cs typeface="Times New Roman" panose="02020603050405020304" pitchFamily="18" charset="0"/>
-            </a:endParaRPr>
-          </a:p>
-        </p:txBody>
-      </p:sp>
-      <p:sp>
-        <p:nvSpPr>
           <p:cNvPr id="6" name="テキスト ボックス 5">
             <a:extLst>
               <a:ext uri="{FF2B5EF4-FFF2-40B4-BE49-F238E27FC236}">
@@ -3399,12 +3343,14 @@
         <p:spPr>
           <a:xfrm>
             <a:off x="473529" y="409386"/>
-            <a:ext cx="11185072" cy="1107996"/>
+            <a:ext cx="10262204" cy="1015663"/>
           </a:xfrm>
           <a:prstGeom prst="rect">
             <a:avLst/>
           </a:prstGeom>
-          <a:noFill/>
+          <a:solidFill>
+            <a:schemeClr val="bg1"/>
+          </a:solidFill>
         </p:spPr>
         <p:txBody>
           <a:bodyPr wrap="square" rtlCol="0">
@@ -3413,19 +3359,41 @@
           <a:lstStyle/>
           <a:p>
             <a:r>
-              <a:rPr kumimoji="1" lang="en-US" altLang="ja-JP" sz="6600" dirty="0">
+              <a:rPr kumimoji="1" lang="en-US" altLang="ja-JP" sz="6000" dirty="0">
                 <a:solidFill>
-                  <a:schemeClr val="bg1"/>
+                  <a:srgbClr val="002060"/>
                 </a:solidFill>
                 <a:latin typeface="Times New Roman" panose="02020603050405020304" pitchFamily="18" charset="0"/>
                 <a:ea typeface="YuKyokasho Medium" panose="02000500000000000000" pitchFamily="2" charset="-128"/>
                 <a:cs typeface="Times New Roman" panose="02020603050405020304" pitchFamily="18" charset="0"/>
               </a:rPr>
-              <a:t>1. Intro: Hamiltonian simulation</a:t>
-            </a:r>
-            <a:endParaRPr kumimoji="1" lang="ja-JP" altLang="en-US" sz="6600">
+              <a:t>1. </a:t>
+            </a:r>
+            <a:r>
+              <a:rPr kumimoji="1" lang="ja-JP" altLang="en-US" sz="6000">
+                <a:solidFill>
+                  <a:srgbClr val="002060"/>
+                </a:solidFill>
+                <a:latin typeface="Times New Roman" panose="02020603050405020304" pitchFamily="18" charset="0"/>
+                <a:ea typeface="YuKyokasho Medium" panose="02000500000000000000" pitchFamily="2" charset="-128"/>
+                <a:cs typeface="Times New Roman" panose="02020603050405020304" pitchFamily="18" charset="0"/>
+              </a:rPr>
+              <a:t>導入</a:t>
+            </a:r>
+            <a:r>
+              <a:rPr kumimoji="1" lang="en-US" altLang="ja-JP" sz="6000" dirty="0">
+                <a:solidFill>
+                  <a:srgbClr val="002060"/>
+                </a:solidFill>
+                <a:latin typeface="Times New Roman" panose="02020603050405020304" pitchFamily="18" charset="0"/>
+                <a:ea typeface="YuKyokasho Medium" panose="02000500000000000000" pitchFamily="2" charset="-128"/>
+                <a:cs typeface="Times New Roman" panose="02020603050405020304" pitchFamily="18" charset="0"/>
+              </a:rPr>
+              <a:t>: Hamiltonian simulation</a:t>
+            </a:r>
+            <a:endParaRPr kumimoji="1" lang="ja-JP" altLang="en-US" sz="6000">
               <a:solidFill>
-                <a:schemeClr val="bg1"/>
+                <a:srgbClr val="002060"/>
               </a:solidFill>
               <a:latin typeface="Times New Roman" panose="02020603050405020304" pitchFamily="18" charset="0"/>
               <a:ea typeface="YuKyokasho Medium" panose="02000500000000000000" pitchFamily="2" charset="-128"/>
@@ -3448,7 +3416,7 @@
         </p:nvSpPr>
         <p:spPr>
           <a:xfrm>
-            <a:off x="310718" y="2163958"/>
+            <a:off x="310718" y="1774492"/>
             <a:ext cx="4584909" cy="584775"/>
           </a:xfrm>
           <a:prstGeom prst="rect">
@@ -3504,8 +3472,8 @@
         </p:nvSpPr>
         <p:spPr>
           <a:xfrm>
-            <a:off x="5029815" y="2198597"/>
-            <a:ext cx="8300105" cy="523220"/>
+            <a:off x="669870" y="2651487"/>
+            <a:ext cx="7128318" cy="523220"/>
           </a:xfrm>
           <a:prstGeom prst="rect">
             <a:avLst/>
@@ -3524,7 +3492,15 @@
                 <a:ea typeface="YuKyokasho Medium" panose="02000500000000000000" pitchFamily="2" charset="-128"/>
                 <a:cs typeface="Times New Roman" panose="02020603050405020304" pitchFamily="18" charset="0"/>
               </a:rPr>
-              <a:t>Solve Schrodinger equation with quantum computers</a:t>
+              <a:t>Schrodinger </a:t>
+            </a:r>
+            <a:r>
+              <a:rPr kumimoji="1" lang="ja-JP" altLang="en-US" sz="2800">
+                <a:latin typeface="Times New Roman" panose="02020603050405020304" pitchFamily="18" charset="0"/>
+                <a:ea typeface="YuKyokasho Medium" panose="02000500000000000000" pitchFamily="2" charset="-128"/>
+                <a:cs typeface="Times New Roman" panose="02020603050405020304" pitchFamily="18" charset="0"/>
+              </a:rPr>
+              <a:t>方程式を解く量子アルゴリズム</a:t>
             </a:r>
             <a:endParaRPr kumimoji="1" lang="ja-JP" altLang="en-US" sz="2800" dirty="0">
               <a:latin typeface="Times New Roman" panose="02020603050405020304" pitchFamily="18" charset="0"/>
@@ -3548,8 +3524,8 @@
         </p:nvSpPr>
         <p:spPr>
           <a:xfrm>
-            <a:off x="1154899" y="4895906"/>
-            <a:ext cx="4314329" cy="523220"/>
+            <a:off x="908927" y="5708605"/>
+            <a:ext cx="7981125" cy="523220"/>
           </a:xfrm>
           <a:prstGeom prst="rect">
             <a:avLst/>
@@ -3568,7 +3544,15 @@
                 <a:ea typeface="YuKyokasho Medium" panose="02000500000000000000" pitchFamily="2" charset="-128"/>
                 <a:cs typeface="Times New Roman" panose="02020603050405020304" pitchFamily="18" charset="0"/>
               </a:rPr>
-              <a:t>- Potential exp. speedup</a:t>
+              <a:t>- </a:t>
+            </a:r>
+            <a:r>
+              <a:rPr kumimoji="1" lang="ja-JP" altLang="en-US" sz="2800">
+                <a:latin typeface="Times New Roman" panose="02020603050405020304" pitchFamily="18" charset="0"/>
+                <a:ea typeface="YuKyokasho Medium" panose="02000500000000000000" pitchFamily="2" charset="-128"/>
+                <a:cs typeface="Times New Roman" panose="02020603050405020304" pitchFamily="18" charset="0"/>
+              </a:rPr>
+              <a:t>古典計算機と比較した指数的な計算時間の短縮</a:t>
             </a:r>
             <a:endParaRPr kumimoji="1" lang="ja-JP" altLang="en-US" sz="2800" dirty="0">
               <a:latin typeface="Times New Roman" panose="02020603050405020304" pitchFamily="18" charset="0"/>
@@ -3592,8 +3576,8 @@
         </p:nvSpPr>
         <p:spPr>
           <a:xfrm>
-            <a:off x="6735087" y="4895906"/>
-            <a:ext cx="5939292" cy="523220"/>
+            <a:off x="908927" y="8616892"/>
+            <a:ext cx="9979206" cy="523220"/>
           </a:xfrm>
           <a:prstGeom prst="rect">
             <a:avLst/>
@@ -3612,7 +3596,47 @@
                 <a:ea typeface="YuKyokasho Medium" panose="02000500000000000000" pitchFamily="2" charset="-128"/>
                 <a:cs typeface="Times New Roman" panose="02020603050405020304" pitchFamily="18" charset="0"/>
               </a:rPr>
-              <a:t>- Application to physics &amp; chemistry</a:t>
+              <a:t>- </a:t>
+            </a:r>
+            <a:r>
+              <a:rPr kumimoji="1" lang="ja-JP" altLang="en-US" sz="2800">
+                <a:latin typeface="Times New Roman" panose="02020603050405020304" pitchFamily="18" charset="0"/>
+                <a:ea typeface="YuKyokasho Medium" panose="02000500000000000000" pitchFamily="2" charset="-128"/>
+                <a:cs typeface="Times New Roman" panose="02020603050405020304" pitchFamily="18" charset="0"/>
+              </a:rPr>
+              <a:t>固有値計算</a:t>
+            </a:r>
+            <a:r>
+              <a:rPr kumimoji="1" lang="en-US" altLang="ja-JP" sz="2800" dirty="0">
+                <a:latin typeface="Times New Roman" panose="02020603050405020304" pitchFamily="18" charset="0"/>
+                <a:ea typeface="YuKyokasho Medium" panose="02000500000000000000" pitchFamily="2" charset="-128"/>
+                <a:cs typeface="Times New Roman" panose="02020603050405020304" pitchFamily="18" charset="0"/>
+              </a:rPr>
+              <a:t>(</a:t>
+            </a:r>
+            <a:r>
+              <a:rPr kumimoji="1" lang="ja-JP" altLang="en-US" sz="2800">
+                <a:latin typeface="Times New Roman" panose="02020603050405020304" pitchFamily="18" charset="0"/>
+                <a:ea typeface="YuKyokasho Medium" panose="02000500000000000000" pitchFamily="2" charset="-128"/>
+                <a:cs typeface="Times New Roman" panose="02020603050405020304" pitchFamily="18" charset="0"/>
+              </a:rPr>
+              <a:t>量子位相推定</a:t>
+            </a:r>
+            <a:r>
+              <a:rPr kumimoji="1" lang="en-US" altLang="ja-JP" sz="2800" dirty="0">
+                <a:latin typeface="Times New Roman" panose="02020603050405020304" pitchFamily="18" charset="0"/>
+                <a:ea typeface="YuKyokasho Medium" panose="02000500000000000000" pitchFamily="2" charset="-128"/>
+                <a:cs typeface="Times New Roman" panose="02020603050405020304" pitchFamily="18" charset="0"/>
+              </a:rPr>
+              <a:t>)</a:t>
+            </a:r>
+            <a:r>
+              <a:rPr kumimoji="1" lang="ja-JP" altLang="en-US" sz="2800">
+                <a:latin typeface="Times New Roman" panose="02020603050405020304" pitchFamily="18" charset="0"/>
+                <a:ea typeface="YuKyokasho Medium" panose="02000500000000000000" pitchFamily="2" charset="-128"/>
+                <a:cs typeface="Times New Roman" panose="02020603050405020304" pitchFamily="18" charset="0"/>
+              </a:rPr>
+              <a:t>などのサブルーチンとしても重要</a:t>
             </a:r>
             <a:endParaRPr kumimoji="1" lang="ja-JP" altLang="en-US" sz="2800" dirty="0">
               <a:latin typeface="Times New Roman" panose="02020603050405020304" pitchFamily="18" charset="0"/>
@@ -3644,7 +3668,7 @@
         </p:blipFill>
         <p:spPr>
           <a:xfrm>
-            <a:off x="1352672" y="3181402"/>
+            <a:off x="1505072" y="3638605"/>
             <a:ext cx="10479779" cy="1531376"/>
           </a:xfrm>
           <a:prstGeom prst="rect">
@@ -3654,10 +3678,10 @@
       </p:pic>
       <p:sp>
         <p:nvSpPr>
-          <p:cNvPr id="40" name="テキスト ボックス 39">
+          <p:cNvPr id="68" name="テキスト ボックス 67">
             <a:extLst>
               <a:ext uri="{FF2B5EF4-FFF2-40B4-BE49-F238E27FC236}">
-                <a16:creationId xmlns:a16="http://schemas.microsoft.com/office/drawing/2014/main" id="{FC104D4A-A02E-6343-036B-8B6105CF02F5}"/>
+                <a16:creationId xmlns:a16="http://schemas.microsoft.com/office/drawing/2014/main" id="{CFEF1D1A-7BDC-2AFD-04FF-880F30FDC09B}"/>
               </a:ext>
             </a:extLst>
           </p:cNvPr>
@@ -3666,539 +3690,75 @@
         </p:nvSpPr>
         <p:spPr>
           <a:xfrm>
-            <a:off x="380423" y="6901577"/>
-            <a:ext cx="5341527" cy="584775"/>
+            <a:off x="661607" y="9574481"/>
+            <a:ext cx="12166707" cy="1107996"/>
           </a:xfrm>
           <a:prstGeom prst="rect">
             <a:avLst/>
           </a:prstGeom>
           <a:solidFill>
-            <a:schemeClr val="bg1">
-              <a:lumMod val="95000"/>
+            <a:schemeClr val="accent2">
+              <a:lumMod val="20000"/>
+              <a:lumOff val="80000"/>
             </a:schemeClr>
           </a:solidFill>
         </p:spPr>
         <p:txBody>
-          <a:bodyPr wrap="none" rtlCol="0">
+          <a:bodyPr wrap="square" rtlCol="0">
             <a:spAutoFit/>
           </a:bodyPr>
           <a:lstStyle/>
           <a:p>
             <a:r>
-              <a:rPr kumimoji="1" lang="ja-JP" altLang="en-US" sz="3200">
+              <a:rPr kumimoji="1" lang="ja-JP" altLang="en-US" sz="2800">
                 <a:latin typeface="Times New Roman" panose="02020603050405020304" pitchFamily="18" charset="0"/>
                 <a:ea typeface="YuKyokasho Medium" panose="02000500000000000000" pitchFamily="2" charset="-128"/>
                 <a:cs typeface="Times New Roman" panose="02020603050405020304" pitchFamily="18" charset="0"/>
               </a:rPr>
-              <a:t>■</a:t>
-            </a:r>
-            <a:r>
-              <a:rPr kumimoji="1" lang="en-US" altLang="ja-JP" sz="3200" dirty="0">
+              <a:t>量子優位性</a:t>
+            </a:r>
+            <a:r>
+              <a:rPr kumimoji="1" lang="en-US" altLang="ja-JP" sz="2800" dirty="0">
                 <a:latin typeface="Times New Roman" panose="02020603050405020304" pitchFamily="18" charset="0"/>
                 <a:ea typeface="YuKyokasho Medium" panose="02000500000000000000" pitchFamily="2" charset="-128"/>
                 <a:cs typeface="Times New Roman" panose="02020603050405020304" pitchFamily="18" charset="0"/>
               </a:rPr>
-              <a:t> Various quantum algorithms</a:t>
-            </a:r>
-            <a:endParaRPr kumimoji="1" lang="ja-JP" altLang="en-US" sz="3200">
+              <a:t> &amp; </a:t>
+            </a:r>
+            <a:r>
+              <a:rPr kumimoji="1" lang="ja-JP" altLang="en-US" sz="2800">
+                <a:latin typeface="Times New Roman" panose="02020603050405020304" pitchFamily="18" charset="0"/>
+                <a:ea typeface="YuKyokasho Medium" panose="02000500000000000000" pitchFamily="2" charset="-128"/>
+                <a:cs typeface="Times New Roman" panose="02020603050405020304" pitchFamily="18" charset="0"/>
+              </a:rPr>
+              <a:t>物質科学への実用性を両立する</a:t>
+            </a:r>
+            <a:endParaRPr kumimoji="1" lang="en-US" altLang="ja-JP" sz="2800" dirty="0">
               <a:latin typeface="Times New Roman" panose="02020603050405020304" pitchFamily="18" charset="0"/>
               <a:ea typeface="YuKyokasho Medium" panose="02000500000000000000" pitchFamily="2" charset="-128"/>
               <a:cs typeface="Times New Roman" panose="02020603050405020304" pitchFamily="18" charset="0"/>
             </a:endParaRPr>
           </a:p>
-        </p:txBody>
-      </p:sp>
-      <mc:AlternateContent xmlns:mc="http://schemas.openxmlformats.org/markup-compatibility/2006" xmlns:a14="http://schemas.microsoft.com/office/drawing/2010/main">
-        <mc:Choice Requires="a14">
-          <p:sp>
-            <p:nvSpPr>
-              <p:cNvPr id="68" name="テキスト ボックス 67">
-                <a:extLst>
-                  <a:ext uri="{FF2B5EF4-FFF2-40B4-BE49-F238E27FC236}">
-                    <a16:creationId xmlns:a16="http://schemas.microsoft.com/office/drawing/2014/main" id="{CFEF1D1A-7BDC-2AFD-04FF-880F30FDC09B}"/>
-                  </a:ext>
-                </a:extLst>
-              </p:cNvPr>
-              <p:cNvSpPr txBox="1"/>
-              <p:nvPr/>
-            </p:nvSpPr>
-            <p:spPr>
-              <a:xfrm>
-                <a:off x="669870" y="5663790"/>
-                <a:ext cx="12166707" cy="954107"/>
-              </a:xfrm>
-              <a:prstGeom prst="rect">
-                <a:avLst/>
-              </a:prstGeom>
-              <a:solidFill>
-                <a:schemeClr val="accent2">
-                  <a:lumMod val="20000"/>
-                  <a:lumOff val="80000"/>
-                </a:schemeClr>
-              </a:solidFill>
-            </p:spPr>
-            <p:txBody>
-              <a:bodyPr wrap="square" rtlCol="0">
-                <a:spAutoFit/>
-              </a:bodyPr>
-              <a:lstStyle/>
-              <a:p>
-                <a:pPr algn="ctr"/>
-                <a:r>
-                  <a:rPr kumimoji="1" lang="en-US" altLang="ja-JP" sz="2800" dirty="0">
-                    <a:latin typeface="Times New Roman" panose="02020603050405020304" pitchFamily="18" charset="0"/>
-                    <a:ea typeface="YuKyokasho Medium" panose="02000500000000000000" pitchFamily="2" charset="-128"/>
-                    <a:cs typeface="Times New Roman" panose="02020603050405020304" pitchFamily="18" charset="0"/>
-                  </a:rPr>
-                  <a:t>Goal: What is the </a:t>
-                </a:r>
-                <a:r>
-                  <a:rPr kumimoji="1" lang="en-US" altLang="ja-JP" sz="2800" b="1" u="sng" dirty="0">
-                    <a:latin typeface="Times New Roman" panose="02020603050405020304" pitchFamily="18" charset="0"/>
-                    <a:ea typeface="YuKyokasho Medium" panose="02000500000000000000" pitchFamily="2" charset="-128"/>
-                    <a:cs typeface="Times New Roman" panose="02020603050405020304" pitchFamily="18" charset="0"/>
-                  </a:rPr>
-                  <a:t>fastest</a:t>
-                </a:r>
-                <a:r>
-                  <a:rPr kumimoji="1" lang="en-US" altLang="ja-JP" sz="2800" dirty="0">
-                    <a:latin typeface="Times New Roman" panose="02020603050405020304" pitchFamily="18" charset="0"/>
-                    <a:ea typeface="YuKyokasho Medium" panose="02000500000000000000" pitchFamily="2" charset="-128"/>
-                    <a:cs typeface="Times New Roman" panose="02020603050405020304" pitchFamily="18" charset="0"/>
-                  </a:rPr>
-                  <a:t> quantum algorithm </a:t>
-                </a:r>
-              </a:p>
-              <a:p>
-                <a:pPr algn="ctr"/>
-                <a:r>
-                  <a:rPr kumimoji="1" lang="en-US" altLang="ja-JP" sz="2800" dirty="0">
-                    <a:latin typeface="Times New Roman" panose="02020603050405020304" pitchFamily="18" charset="0"/>
-                    <a:ea typeface="YuKyokasho Medium" panose="02000500000000000000" pitchFamily="2" charset="-128"/>
-                    <a:cs typeface="Times New Roman" panose="02020603050405020304" pitchFamily="18" charset="0"/>
-                  </a:rPr>
-                  <a:t>achieving the best scaling in size </a:t>
-                </a:r>
-                <a14:m>
-                  <m:oMath xmlns:m="http://schemas.openxmlformats.org/officeDocument/2006/math">
-                    <m:r>
-                      <a:rPr kumimoji="1" lang="en-US" altLang="ja-JP" sz="2800" b="0" i="1" smtClean="0">
-                        <a:latin typeface="Cambria Math" panose="02040503050406030204" pitchFamily="18" charset="0"/>
-                        <a:ea typeface="YuKyokasho Medium" panose="02000500000000000000" pitchFamily="2" charset="-128"/>
-                        <a:cs typeface="Times New Roman" panose="02020603050405020304" pitchFamily="18" charset="0"/>
-                      </a:rPr>
-                      <m:t>𝑁</m:t>
-                    </m:r>
-                  </m:oMath>
-                </a14:m>
-                <a:r>
-                  <a:rPr kumimoji="1" lang="en-US" altLang="ja-JP" sz="2800" dirty="0">
-                    <a:latin typeface="Times New Roman" panose="02020603050405020304" pitchFamily="18" charset="0"/>
-                    <a:ea typeface="YuKyokasho Medium" panose="02000500000000000000" pitchFamily="2" charset="-128"/>
-                    <a:cs typeface="Times New Roman" panose="02020603050405020304" pitchFamily="18" charset="0"/>
-                  </a:rPr>
-                  <a:t>, time </a:t>
-                </a:r>
-                <a14:m>
-                  <m:oMath xmlns:m="http://schemas.openxmlformats.org/officeDocument/2006/math">
-                    <m:r>
-                      <a:rPr kumimoji="1" lang="en-US" altLang="ja-JP" sz="2800" b="0" i="1" smtClean="0">
-                        <a:latin typeface="Cambria Math" panose="02040503050406030204" pitchFamily="18" charset="0"/>
-                        <a:ea typeface="YuKyokasho Medium" panose="02000500000000000000" pitchFamily="2" charset="-128"/>
-                        <a:cs typeface="Times New Roman" panose="02020603050405020304" pitchFamily="18" charset="0"/>
-                      </a:rPr>
-                      <m:t>𝑡</m:t>
-                    </m:r>
-                  </m:oMath>
-                </a14:m>
-                <a:r>
-                  <a:rPr kumimoji="1" lang="en-US" altLang="ja-JP" sz="2800" dirty="0">
-                    <a:latin typeface="Times New Roman" panose="02020603050405020304" pitchFamily="18" charset="0"/>
-                    <a:ea typeface="YuKyokasho Medium" panose="02000500000000000000" pitchFamily="2" charset="-128"/>
-                    <a:cs typeface="Times New Roman" panose="02020603050405020304" pitchFamily="18" charset="0"/>
-                  </a:rPr>
-                  <a:t>, and error </a:t>
-                </a:r>
-                <a14:m>
-                  <m:oMath xmlns:m="http://schemas.openxmlformats.org/officeDocument/2006/math">
-                    <m:r>
-                      <a:rPr kumimoji="1" lang="en-US" altLang="ja-JP" sz="2800" i="1" smtClean="0">
-                        <a:latin typeface="Cambria Math" panose="02040503050406030204" pitchFamily="18" charset="0"/>
-                        <a:ea typeface="Cambria Math" panose="02040503050406030204" pitchFamily="18" charset="0"/>
-                        <a:cs typeface="Times New Roman" panose="02020603050405020304" pitchFamily="18" charset="0"/>
-                      </a:rPr>
-                      <m:t>𝜀</m:t>
-                    </m:r>
-                  </m:oMath>
-                </a14:m>
-                <a:r>
-                  <a:rPr kumimoji="1" lang="en-US" altLang="ja-JP" sz="2800" dirty="0">
-                    <a:latin typeface="Times New Roman" panose="02020603050405020304" pitchFamily="18" charset="0"/>
-                    <a:ea typeface="YuKyokasho Medium" panose="02000500000000000000" pitchFamily="2" charset="-128"/>
-                    <a:cs typeface="Times New Roman" panose="02020603050405020304" pitchFamily="18" charset="0"/>
-                  </a:rPr>
-                  <a:t> ?</a:t>
-                </a:r>
-                <a:endParaRPr kumimoji="1" lang="ja-JP" altLang="en-US" sz="2800" dirty="0">
-                  <a:latin typeface="Times New Roman" panose="02020603050405020304" pitchFamily="18" charset="0"/>
-                  <a:ea typeface="YuKyokasho Medium" panose="02000500000000000000" pitchFamily="2" charset="-128"/>
-                  <a:cs typeface="Times New Roman" panose="02020603050405020304" pitchFamily="18" charset="0"/>
-                </a:endParaRPr>
-              </a:p>
-            </p:txBody>
-          </p:sp>
-        </mc:Choice>
-        <mc:Fallback xmlns="">
-          <p:sp>
-            <p:nvSpPr>
-              <p:cNvPr id="68" name="テキスト ボックス 67">
-                <a:extLst>
-                  <a:ext uri="{FF2B5EF4-FFF2-40B4-BE49-F238E27FC236}">
-                    <a16:creationId xmlns:a16="http://schemas.microsoft.com/office/drawing/2014/main" id="{CFEF1D1A-7BDC-2AFD-04FF-880F30FDC09B}"/>
-                  </a:ext>
-                </a:extLst>
-              </p:cNvPr>
-              <p:cNvSpPr txBox="1">
-                <a:spLocks noRot="1" noChangeAspect="1" noMove="1" noResize="1" noEditPoints="1" noAdjustHandles="1" noChangeArrowheads="1" noChangeShapeType="1" noTextEdit="1"/>
-              </p:cNvSpPr>
-              <p:nvPr/>
-            </p:nvSpPr>
-            <p:spPr>
-              <a:xfrm>
-                <a:off x="669870" y="5663790"/>
-                <a:ext cx="12166707" cy="954107"/>
-              </a:xfrm>
-              <a:prstGeom prst="rect">
-                <a:avLst/>
-              </a:prstGeom>
-              <a:blipFill>
-                <a:blip r:embed="rId3"/>
-                <a:stretch>
-                  <a:fillRect t="-6494" b="-16883"/>
-                </a:stretch>
-              </a:blipFill>
-            </p:spPr>
-            <p:txBody>
-              <a:bodyPr/>
-              <a:lstStyle/>
-              <a:p>
-                <a:r>
-                  <a:rPr lang="ja-JP" altLang="en-US">
-                    <a:noFill/>
-                  </a:rPr>
-                  <a:t> </a:t>
-                </a:r>
-              </a:p>
-            </p:txBody>
-          </p:sp>
-        </mc:Fallback>
-      </mc:AlternateContent>
-      <p:sp>
-        <p:nvSpPr>
-          <p:cNvPr id="79" name="テキスト ボックス 78">
-            <a:extLst>
-              <a:ext uri="{FF2B5EF4-FFF2-40B4-BE49-F238E27FC236}">
-                <a16:creationId xmlns:a16="http://schemas.microsoft.com/office/drawing/2014/main" id="{01C07601-6A8C-CECE-12F4-8C5B8C2B2151}"/>
-              </a:ext>
-            </a:extLst>
-          </p:cNvPr>
-          <p:cNvSpPr txBox="1"/>
-          <p:nvPr/>
-        </p:nvSpPr>
-        <p:spPr>
-          <a:xfrm>
-            <a:off x="310718" y="7621539"/>
-            <a:ext cx="3790859" cy="523220"/>
-          </a:xfrm>
-          <a:prstGeom prst="rect">
-            <a:avLst/>
-          </a:prstGeom>
-          <a:noFill/>
-        </p:spPr>
-        <p:txBody>
-          <a:bodyPr wrap="square" rtlCol="0">
-            <a:spAutoFit/>
-          </a:bodyPr>
-          <a:lstStyle/>
-          <a:p>
-            <a:r>
-              <a:rPr kumimoji="1" lang="en-US" altLang="ja-JP" sz="2800" b="1" dirty="0">
+          <a:p>
+            <a:endParaRPr kumimoji="1" lang="en-US" altLang="ja-JP" sz="1000" dirty="0">
+              <a:latin typeface="Times New Roman" panose="02020603050405020304" pitchFamily="18" charset="0"/>
+              <a:ea typeface="YuKyokasho Medium" panose="02000500000000000000" pitchFamily="2" charset="-128"/>
+              <a:cs typeface="Times New Roman" panose="02020603050405020304" pitchFamily="18" charset="0"/>
+            </a:endParaRPr>
+          </a:p>
+          <a:p>
+            <a:pPr algn="r"/>
+            <a:r>
+              <a:rPr kumimoji="1" lang="ja-JP" altLang="en-US" sz="2800">
                 <a:latin typeface="Times New Roman" panose="02020603050405020304" pitchFamily="18" charset="0"/>
-                <a:ea typeface="YUKYOKASHO MEDIUM" panose="02000500000000000000" pitchFamily="2" charset="-128"/>
+                <a:ea typeface="YuKyokasho Medium" panose="02000500000000000000" pitchFamily="2" charset="-128"/>
                 <a:cs typeface="Times New Roman" panose="02020603050405020304" pitchFamily="18" charset="0"/>
               </a:rPr>
-              <a:t>[Product formula (PF)]</a:t>
-            </a:r>
-            <a:endParaRPr kumimoji="1" lang="ja-JP" altLang="en-US" sz="2800" b="1">
+              <a:t>誤り耐性量子計算機の最も基本的なタスクの一つ</a:t>
+            </a:r>
+            <a:endParaRPr kumimoji="1" lang="ja-JP" altLang="en-US" sz="2800" dirty="0">
               <a:latin typeface="Times New Roman" panose="02020603050405020304" pitchFamily="18" charset="0"/>
-              <a:ea typeface="YUKYOKASHO MEDIUM" panose="02000500000000000000" pitchFamily="2" charset="-128"/>
-              <a:cs typeface="Times New Roman" panose="02020603050405020304" pitchFamily="18" charset="0"/>
-            </a:endParaRPr>
-          </a:p>
-        </p:txBody>
-      </p:sp>
-      <p:grpSp>
-        <p:nvGrpSpPr>
-          <p:cNvPr id="100" name="グループ化 99">
-            <a:extLst>
-              <a:ext uri="{FF2B5EF4-FFF2-40B4-BE49-F238E27FC236}">
-                <a16:creationId xmlns:a16="http://schemas.microsoft.com/office/drawing/2014/main" id="{F7D193F7-43D0-00A9-9A18-57238A23E44A}"/>
-              </a:ext>
-            </a:extLst>
-          </p:cNvPr>
-          <p:cNvGrpSpPr/>
-          <p:nvPr/>
-        </p:nvGrpSpPr>
-        <p:grpSpPr>
-          <a:xfrm>
-            <a:off x="1231454" y="8081114"/>
-            <a:ext cx="4314329" cy="1012368"/>
-            <a:chOff x="1841818" y="8235723"/>
-            <a:chExt cx="4314329" cy="1012368"/>
-          </a:xfrm>
-        </p:grpSpPr>
-        <p:pic>
-          <p:nvPicPr>
-            <p:cNvPr id="88" name="Picture 10" descr="\begin{align*}&#10;  T_p(\tau) \equiv \prod_{v=1}^{c_p\Gamma} e^{-iH_{\gamma_v} \alpha_v \tau} \\&#10;  = e^{-iH\tau} + \mathcal{O}(\tau^{p+1})&#10;\end{align*}">
-              <a:extLst>
-                <a:ext uri="{FF2B5EF4-FFF2-40B4-BE49-F238E27FC236}">
-                  <a16:creationId xmlns:a16="http://schemas.microsoft.com/office/drawing/2014/main" id="{52FD1043-9DE2-7DF0-7BD9-B121F0562A15}"/>
-                </a:ext>
-              </a:extLst>
-            </p:cNvPr>
-            <p:cNvPicPr>
-              <a:picLocks noChangeAspect="1" noChangeArrowheads="1"/>
-            </p:cNvPicPr>
-            <p:nvPr/>
-          </p:nvPicPr>
-          <p:blipFill rotWithShape="1">
-            <a:blip r:embed="rId4">
-              <a:extLst>
-                <a:ext uri="{28A0092B-C50C-407E-A947-70E740481C1C}">
-                  <a14:useLocalDpi xmlns:a14="http://schemas.microsoft.com/office/drawing/2010/main" val="0"/>
-                </a:ext>
-              </a:extLst>
-            </a:blip>
-            <a:srcRect r="75523" b="40129"/>
-            <a:stretch>
-              <a:fillRect/>
-            </a:stretch>
-          </p:blipFill>
-          <p:spPr bwMode="auto">
-            <a:xfrm>
-              <a:off x="1841818" y="8235723"/>
-              <a:ext cx="851363" cy="1012368"/>
-            </a:xfrm>
-            <a:prstGeom prst="rect">
-              <a:avLst/>
-            </a:prstGeom>
-            <a:noFill/>
-            <a:extLst>
-              <a:ext uri="{909E8E84-426E-40DD-AFC4-6F175D3DCCD1}">
-                <a14:hiddenFill xmlns:a14="http://schemas.microsoft.com/office/drawing/2010/main">
-                  <a:solidFill>
-                    <a:srgbClr val="FFFFFF"/>
-                  </a:solidFill>
-                </a14:hiddenFill>
-              </a:ext>
-            </a:extLst>
-          </p:spPr>
-        </p:pic>
-        <p:pic>
-          <p:nvPicPr>
-            <p:cNvPr id="89" name="Picture 10" descr="\begin{align*}&#10;  T_p(\tau) \equiv \prod_{v=1}^{c_p\Gamma} e^{-iH_{\gamma_v} \alpha_v \tau} \\&#10;  = e^{-iH\tau} + \mathcal{O}(\tau^{p+1})&#10;\end{align*}">
-              <a:extLst>
-                <a:ext uri="{FF2B5EF4-FFF2-40B4-BE49-F238E27FC236}">
-                  <a16:creationId xmlns:a16="http://schemas.microsoft.com/office/drawing/2014/main" id="{68B9E1CD-2074-8742-918B-37FF5FFC0ADC}"/>
-                </a:ext>
-              </a:extLst>
-            </p:cNvPr>
-            <p:cNvPicPr>
-              <a:picLocks noChangeAspect="1" noChangeArrowheads="1"/>
-            </p:cNvPicPr>
-            <p:nvPr/>
-          </p:nvPicPr>
-          <p:blipFill rotWithShape="1">
-            <a:blip r:embed="rId4">
-              <a:extLst>
-                <a:ext uri="{28A0092B-C50C-407E-A947-70E740481C1C}">
-                  <a14:useLocalDpi xmlns:a14="http://schemas.microsoft.com/office/drawing/2010/main" val="0"/>
-                </a:ext>
-              </a:extLst>
-            </a:blip>
-            <a:srcRect t="72106" b="-8017"/>
-            <a:stretch/>
-          </p:blipFill>
-          <p:spPr bwMode="auto">
-            <a:xfrm>
-              <a:off x="2365288" y="8493988"/>
-              <a:ext cx="3790859" cy="661808"/>
-            </a:xfrm>
-            <a:prstGeom prst="rect">
-              <a:avLst/>
-            </a:prstGeom>
-            <a:noFill/>
-            <a:extLst>
-              <a:ext uri="{909E8E84-426E-40DD-AFC4-6F175D3DCCD1}">
-                <a14:hiddenFill xmlns:a14="http://schemas.microsoft.com/office/drawing/2010/main">
-                  <a:solidFill>
-                    <a:srgbClr val="FFFFFF"/>
-                  </a:solidFill>
-                </a14:hiddenFill>
-              </a:ext>
-            </a:extLst>
-          </p:spPr>
-        </p:pic>
-      </p:grpSp>
-      <p:pic>
-        <p:nvPicPr>
-          <p:cNvPr id="102" name="Picture 4" descr="\begin{align*}&#10;  T_1(\tau) = e^{-iH_2\tau}e^{-iH_1\tau}&#10;\end{align*}">
-            <a:extLst>
-              <a:ext uri="{FF2B5EF4-FFF2-40B4-BE49-F238E27FC236}">
-                <a16:creationId xmlns:a16="http://schemas.microsoft.com/office/drawing/2014/main" id="{3B90EA31-BE51-0498-25AE-42A6B9E58F53}"/>
-              </a:ext>
-            </a:extLst>
-          </p:cNvPr>
-          <p:cNvPicPr>
-            <a:picLocks noChangeAspect="1" noChangeArrowheads="1"/>
-          </p:cNvPicPr>
-          <p:nvPr/>
-        </p:nvPicPr>
-        <p:blipFill>
-          <a:blip r:embed="rId5">
-            <a:extLst>
-              <a:ext uri="{28A0092B-C50C-407E-A947-70E740481C1C}">
-                <a14:useLocalDpi xmlns:a14="http://schemas.microsoft.com/office/drawing/2010/main" val="0"/>
-              </a:ext>
-            </a:extLst>
-          </a:blip>
-          <a:srcRect/>
-          <a:stretch>
-            <a:fillRect/>
-          </a:stretch>
-        </p:blipFill>
-        <p:spPr bwMode="auto">
-          <a:xfrm>
-            <a:off x="1015988" y="9236574"/>
-            <a:ext cx="2976692" cy="357812"/>
-          </a:xfrm>
-          <a:prstGeom prst="rect">
-            <a:avLst/>
-          </a:prstGeom>
-          <a:noFill/>
-          <a:extLst>
-            <a:ext uri="{909E8E84-426E-40DD-AFC4-6F175D3DCCD1}">
-              <a14:hiddenFill xmlns:a14="http://schemas.microsoft.com/office/drawing/2010/main">
-                <a:solidFill>
-                  <a:srgbClr val="FFFFFF"/>
-                </a:solidFill>
-              </a14:hiddenFill>
-            </a:ext>
-          </a:extLst>
-        </p:spPr>
-      </p:pic>
-      <p:pic>
-        <p:nvPicPr>
-          <p:cNvPr id="103" name="Picture 6" descr="\begin{align*}&#10;  T_2(\tau) = e^{-iH_1\tau/2}e^{-iH_2\tau}e^{-iH_1\tau/2}&#10;\end{align*}">
-            <a:extLst>
-              <a:ext uri="{FF2B5EF4-FFF2-40B4-BE49-F238E27FC236}">
-                <a16:creationId xmlns:a16="http://schemas.microsoft.com/office/drawing/2014/main" id="{3A44A9F7-EF94-322E-70B3-CEAC28F6FBAE}"/>
-              </a:ext>
-            </a:extLst>
-          </p:cNvPr>
-          <p:cNvPicPr>
-            <a:picLocks noChangeAspect="1" noChangeArrowheads="1"/>
-          </p:cNvPicPr>
-          <p:nvPr/>
-        </p:nvPicPr>
-        <p:blipFill>
-          <a:blip r:embed="rId6">
-            <a:extLst>
-              <a:ext uri="{28A0092B-C50C-407E-A947-70E740481C1C}">
-                <a14:useLocalDpi xmlns:a14="http://schemas.microsoft.com/office/drawing/2010/main" val="0"/>
-              </a:ext>
-            </a:extLst>
-          </a:blip>
-          <a:srcRect/>
-          <a:stretch>
-            <a:fillRect/>
-          </a:stretch>
-        </p:blipFill>
-        <p:spPr bwMode="auto">
-          <a:xfrm>
-            <a:off x="1011947" y="9812868"/>
-            <a:ext cx="4242622" cy="357811"/>
-          </a:xfrm>
-          <a:prstGeom prst="rect">
-            <a:avLst/>
-          </a:prstGeom>
-          <a:noFill/>
-          <a:extLst>
-            <a:ext uri="{909E8E84-426E-40DD-AFC4-6F175D3DCCD1}">
-              <a14:hiddenFill xmlns:a14="http://schemas.microsoft.com/office/drawing/2010/main">
-                <a:solidFill>
-                  <a:srgbClr val="FFFFFF"/>
-                </a:solidFill>
-              </a14:hiddenFill>
-            </a:ext>
-          </a:extLst>
-        </p:spPr>
-      </p:pic>
-      <p:sp>
-        <p:nvSpPr>
-          <p:cNvPr id="104" name="テキスト ボックス 103">
-            <a:extLst>
-              <a:ext uri="{FF2B5EF4-FFF2-40B4-BE49-F238E27FC236}">
-                <a16:creationId xmlns:a16="http://schemas.microsoft.com/office/drawing/2014/main" id="{DED85F3C-C630-E8CE-BCC5-B6C95595FCAA}"/>
-              </a:ext>
-            </a:extLst>
-          </p:cNvPr>
-          <p:cNvSpPr txBox="1"/>
-          <p:nvPr/>
-        </p:nvSpPr>
-        <p:spPr>
-          <a:xfrm>
-            <a:off x="6890898" y="7618521"/>
-            <a:ext cx="6439021" cy="461665"/>
-          </a:xfrm>
-          <a:prstGeom prst="rect">
-            <a:avLst/>
-          </a:prstGeom>
-          <a:noFill/>
-        </p:spPr>
-        <p:txBody>
-          <a:bodyPr wrap="square" rtlCol="0">
-            <a:spAutoFit/>
-          </a:bodyPr>
-          <a:lstStyle/>
-          <a:p>
-            <a:r>
-              <a:rPr kumimoji="1" lang="en-US" altLang="ja-JP" sz="2400" b="1" dirty="0">
-                <a:latin typeface="Times New Roman" panose="02020603050405020304" pitchFamily="18" charset="0"/>
-                <a:ea typeface="YUKYOKASHO MEDIUM" panose="02000500000000000000" pitchFamily="2" charset="-128"/>
-                <a:cs typeface="Times New Roman" panose="02020603050405020304" pitchFamily="18" charset="0"/>
-              </a:rPr>
-              <a:t>[Linear combination of </a:t>
-            </a:r>
-            <a:r>
-              <a:rPr kumimoji="1" lang="en-US" altLang="ja-JP" sz="2400" b="1" dirty="0" err="1">
-                <a:latin typeface="Times New Roman" panose="02020603050405020304" pitchFamily="18" charset="0"/>
-                <a:ea typeface="YUKYOKASHO MEDIUM" panose="02000500000000000000" pitchFamily="2" charset="-128"/>
-                <a:cs typeface="Times New Roman" panose="02020603050405020304" pitchFamily="18" charset="0"/>
-              </a:rPr>
-              <a:t>unitaries</a:t>
-            </a:r>
-            <a:r>
-              <a:rPr kumimoji="1" lang="en-US" altLang="ja-JP" sz="2400" b="1" dirty="0">
-                <a:latin typeface="Times New Roman" panose="02020603050405020304" pitchFamily="18" charset="0"/>
-                <a:ea typeface="YUKYOKASHO MEDIUM" panose="02000500000000000000" pitchFamily="2" charset="-128"/>
-                <a:cs typeface="Times New Roman" panose="02020603050405020304" pitchFamily="18" charset="0"/>
-              </a:rPr>
-              <a:t> (LCU)]</a:t>
-            </a:r>
-            <a:endParaRPr kumimoji="1" lang="ja-JP" altLang="en-US" sz="2400" b="1">
-              <a:latin typeface="Times New Roman" panose="02020603050405020304" pitchFamily="18" charset="0"/>
-              <a:ea typeface="YUKYOKASHO MEDIUM" panose="02000500000000000000" pitchFamily="2" charset="-128"/>
+              <a:ea typeface="YuKyokasho Medium" panose="02000500000000000000" pitchFamily="2" charset="-128"/>
               <a:cs typeface="Times New Roman" panose="02020603050405020304" pitchFamily="18" charset="0"/>
             </a:endParaRPr>
           </a:p>
@@ -4218,7 +3778,7 @@
         </p:nvSpPr>
         <p:spPr>
           <a:xfrm>
-            <a:off x="1435277" y="4078544"/>
+            <a:off x="1587677" y="4535747"/>
             <a:ext cx="1682369" cy="592378"/>
           </a:xfrm>
           <a:prstGeom prst="rect">
@@ -4270,7 +3830,7 @@
         </p:nvSpPr>
         <p:spPr>
           <a:xfrm>
-            <a:off x="5070856" y="4023492"/>
+            <a:off x="5223256" y="4480695"/>
             <a:ext cx="2880587" cy="592378"/>
           </a:xfrm>
           <a:prstGeom prst="rect">
@@ -4324,7 +3884,7 @@
             </p:nvSpPr>
             <p:spPr>
               <a:xfrm>
-                <a:off x="1466651" y="4183830"/>
+                <a:off x="1619051" y="4641033"/>
                 <a:ext cx="1650995" cy="400110"/>
               </a:xfrm>
               <a:prstGeom prst="rect">
@@ -4392,14 +3952,14 @@
             </p:nvSpPr>
             <p:spPr>
               <a:xfrm>
-                <a:off x="1466651" y="4183830"/>
+                <a:off x="1619051" y="4641033"/>
                 <a:ext cx="1650995" cy="400110"/>
               </a:xfrm>
               <a:prstGeom prst="rect">
                 <a:avLst/>
               </a:prstGeom>
               <a:blipFill>
-                <a:blip r:embed="rId7"/>
+                <a:blip r:embed="rId3"/>
                 <a:stretch>
                   <a:fillRect t="-9375" b="-28125"/>
                 </a:stretch>
@@ -4436,7 +3996,7 @@
             </p:nvSpPr>
             <p:spPr>
               <a:xfrm>
-                <a:off x="5157962" y="3994231"/>
+                <a:off x="5310362" y="4451434"/>
                 <a:ext cx="1595263" cy="707886"/>
               </a:xfrm>
               <a:prstGeom prst="rect">
@@ -4497,14 +4057,14 @@
             </p:nvSpPr>
             <p:spPr>
               <a:xfrm>
-                <a:off x="5157962" y="3994231"/>
+                <a:off x="5310362" y="4451434"/>
                 <a:ext cx="1595263" cy="707886"/>
               </a:xfrm>
               <a:prstGeom prst="rect">
                 <a:avLst/>
               </a:prstGeom>
               <a:blipFill>
-                <a:blip r:embed="rId8"/>
+                <a:blip r:embed="rId4"/>
                 <a:stretch>
                   <a:fillRect t="-3509" b="-14035"/>
                 </a:stretch>
@@ -4539,7 +4099,7 @@
         </p:nvSpPr>
         <p:spPr>
           <a:xfrm>
-            <a:off x="7142389" y="4148119"/>
+            <a:off x="7294789" y="4605322"/>
             <a:ext cx="1595263" cy="400110"/>
           </a:xfrm>
           <a:prstGeom prst="rect">
@@ -4572,10 +4132,10 @@
       </p:sp>
       <p:sp>
         <p:nvSpPr>
-          <p:cNvPr id="13" name="テキスト ボックス 12">
+          <p:cNvPr id="10" name="テキスト ボックス 9">
             <a:extLst>
               <a:ext uri="{FF2B5EF4-FFF2-40B4-BE49-F238E27FC236}">
-                <a16:creationId xmlns:a16="http://schemas.microsoft.com/office/drawing/2014/main" id="{90A4B6EB-A719-0ED9-E96B-7FA49CC8CA62}"/>
+                <a16:creationId xmlns:a16="http://schemas.microsoft.com/office/drawing/2014/main" id="{639BA4EF-9EE5-5681-6271-AF681D7C3128}"/>
               </a:ext>
             </a:extLst>
           </p:cNvPr>
@@ -4584,8 +4144,8 @@
         </p:nvSpPr>
         <p:spPr>
           <a:xfrm>
-            <a:off x="4032678" y="7733428"/>
-            <a:ext cx="2595466" cy="400110"/>
+            <a:off x="908927" y="6802568"/>
+            <a:ext cx="7981125" cy="523220"/>
           </a:xfrm>
           <a:prstGeom prst="rect">
             <a:avLst/>
@@ -4599,14 +4159,22 @@
           <a:lstStyle/>
           <a:p>
             <a:r>
-              <a:rPr kumimoji="1" lang="en-US" altLang="ja-JP" sz="2000" dirty="0">
+              <a:rPr kumimoji="1" lang="en-US" altLang="ja-JP" sz="2800" dirty="0">
                 <a:latin typeface="Times New Roman" panose="02020603050405020304" pitchFamily="18" charset="0"/>
                 <a:ea typeface="YuKyokasho Medium" panose="02000500000000000000" pitchFamily="2" charset="-128"/>
                 <a:cs typeface="Times New Roman" panose="02020603050405020304" pitchFamily="18" charset="0"/>
               </a:rPr>
-              <a:t>or Trotterization</a:t>
-            </a:r>
-            <a:endParaRPr kumimoji="1" lang="ja-JP" altLang="en-US" sz="2000" dirty="0">
+              <a:t>- </a:t>
+            </a:r>
+            <a:r>
+              <a:rPr kumimoji="1" lang="ja-JP" altLang="en-US" sz="2800">
+                <a:latin typeface="Times New Roman" panose="02020603050405020304" pitchFamily="18" charset="0"/>
+                <a:ea typeface="YuKyokasho Medium" panose="02000500000000000000" pitchFamily="2" charset="-128"/>
+                <a:cs typeface="Times New Roman" panose="02020603050405020304" pitchFamily="18" charset="0"/>
+              </a:rPr>
+              <a:t>量子物質の実時間ダイナミクスなどの応用</a:t>
+            </a:r>
+            <a:endParaRPr kumimoji="1" lang="ja-JP" altLang="en-US" sz="2800" dirty="0">
               <a:latin typeface="Times New Roman" panose="02020603050405020304" pitchFamily="18" charset="0"/>
               <a:ea typeface="YuKyokasho Medium" panose="02000500000000000000" pitchFamily="2" charset="-128"/>
               <a:cs typeface="Times New Roman" panose="02020603050405020304" pitchFamily="18" charset="0"/>
@@ -4614,195 +4182,12 @@
           </a:p>
         </p:txBody>
       </p:sp>
-      <p:sp>
-        <p:nvSpPr>
-          <p:cNvPr id="14" name="テキスト ボックス 13">
+      <p:pic>
+        <p:nvPicPr>
+          <p:cNvPr id="26" name="図 25">
             <a:extLst>
               <a:ext uri="{FF2B5EF4-FFF2-40B4-BE49-F238E27FC236}">
-                <a16:creationId xmlns:a16="http://schemas.microsoft.com/office/drawing/2014/main" id="{4F0B0D41-70AA-7B02-7793-A7590277B3CA}"/>
-              </a:ext>
-            </a:extLst>
-          </p:cNvPr>
-          <p:cNvSpPr txBox="1"/>
-          <p:nvPr/>
-        </p:nvSpPr>
-        <p:spPr>
-          <a:xfrm>
-            <a:off x="402938" y="9194276"/>
-            <a:ext cx="1200347" cy="400110"/>
-          </a:xfrm>
-          <a:prstGeom prst="rect">
-            <a:avLst/>
-          </a:prstGeom>
-          <a:noFill/>
-        </p:spPr>
-        <p:txBody>
-          <a:bodyPr wrap="square" rtlCol="0">
-            <a:spAutoFit/>
-          </a:bodyPr>
-          <a:lstStyle/>
-          <a:p>
-            <a:r>
-              <a:rPr kumimoji="1" lang="en-US" altLang="ja-JP" sz="2000" dirty="0">
-                <a:latin typeface="Times New Roman" panose="02020603050405020304" pitchFamily="18" charset="0"/>
-                <a:ea typeface="YuKyokasho Medium" panose="02000500000000000000" pitchFamily="2" charset="-128"/>
-                <a:cs typeface="Times New Roman" panose="02020603050405020304" pitchFamily="18" charset="0"/>
-              </a:rPr>
-              <a:t>e.g.</a:t>
-            </a:r>
-            <a:endParaRPr kumimoji="1" lang="ja-JP" altLang="en-US" sz="2000" dirty="0">
-              <a:latin typeface="Times New Roman" panose="02020603050405020304" pitchFamily="18" charset="0"/>
-              <a:ea typeface="YuKyokasho Medium" panose="02000500000000000000" pitchFamily="2" charset="-128"/>
-              <a:cs typeface="Times New Roman" panose="02020603050405020304" pitchFamily="18" charset="0"/>
-            </a:endParaRPr>
-          </a:p>
-        </p:txBody>
-      </p:sp>
-      <p:sp>
-        <p:nvSpPr>
-          <p:cNvPr id="16" name="テキスト ボックス 15">
-            <a:extLst>
-              <a:ext uri="{FF2B5EF4-FFF2-40B4-BE49-F238E27FC236}">
-                <a16:creationId xmlns:a16="http://schemas.microsoft.com/office/drawing/2014/main" id="{6929B687-1829-63BA-E4D2-657DA853975C}"/>
-              </a:ext>
-            </a:extLst>
-          </p:cNvPr>
-          <p:cNvSpPr txBox="1"/>
-          <p:nvPr/>
-        </p:nvSpPr>
-        <p:spPr>
-          <a:xfrm>
-            <a:off x="7142389" y="8080186"/>
-            <a:ext cx="6249374" cy="461665"/>
-          </a:xfrm>
-          <a:prstGeom prst="rect">
-            <a:avLst/>
-          </a:prstGeom>
-          <a:noFill/>
-        </p:spPr>
-        <p:txBody>
-          <a:bodyPr wrap="square" rtlCol="0">
-            <a:spAutoFit/>
-          </a:bodyPr>
-          <a:lstStyle/>
-          <a:p>
-            <a:r>
-              <a:rPr kumimoji="1" lang="en-US" altLang="ja-JP" sz="2400" b="1" dirty="0">
-                <a:latin typeface="Times New Roman" panose="02020603050405020304" pitchFamily="18" charset="0"/>
-                <a:ea typeface="YUKYOKASHO MEDIUM" panose="02000500000000000000" pitchFamily="2" charset="-128"/>
-                <a:cs typeface="Times New Roman" panose="02020603050405020304" pitchFamily="18" charset="0"/>
-              </a:rPr>
-              <a:t>/ [Quantum singular value transform (QSVT)]</a:t>
-            </a:r>
-            <a:endParaRPr kumimoji="1" lang="ja-JP" altLang="en-US" sz="2400" b="1">
-              <a:latin typeface="Times New Roman" panose="02020603050405020304" pitchFamily="18" charset="0"/>
-              <a:ea typeface="YUKYOKASHO MEDIUM" panose="02000500000000000000" pitchFamily="2" charset="-128"/>
-              <a:cs typeface="Times New Roman" panose="02020603050405020304" pitchFamily="18" charset="0"/>
-            </a:endParaRPr>
-          </a:p>
-        </p:txBody>
-      </p:sp>
-      <p:sp>
-        <p:nvSpPr>
-          <p:cNvPr id="17" name="テキスト ボックス 16">
-            <a:extLst>
-              <a:ext uri="{FF2B5EF4-FFF2-40B4-BE49-F238E27FC236}">
-                <a16:creationId xmlns:a16="http://schemas.microsoft.com/office/drawing/2014/main" id="{73ACF266-91F9-9C6A-E969-50E07FFB2B11}"/>
-              </a:ext>
-            </a:extLst>
-          </p:cNvPr>
-          <p:cNvSpPr txBox="1"/>
-          <p:nvPr/>
-        </p:nvSpPr>
-        <p:spPr>
-          <a:xfrm>
-            <a:off x="497142" y="10459237"/>
-            <a:ext cx="3644956" cy="369332"/>
-          </a:xfrm>
-          <a:prstGeom prst="rect">
-            <a:avLst/>
-          </a:prstGeom>
-          <a:noFill/>
-        </p:spPr>
-        <p:txBody>
-          <a:bodyPr wrap="square">
-            <a:spAutoFit/>
-          </a:bodyPr>
-          <a:lstStyle/>
-          <a:p>
-            <a:r>
-              <a:rPr lang="en" altLang="ja-JP" dirty="0">
-                <a:solidFill>
-                  <a:srgbClr val="002060"/>
-                </a:solidFill>
-                <a:latin typeface="Times New Roman" panose="02020603050405020304" pitchFamily="18" charset="0"/>
-                <a:cs typeface="Times New Roman" panose="02020603050405020304" pitchFamily="18" charset="0"/>
-              </a:rPr>
-              <a:t>S. Lloyd, Science 273, 1073 (1996)</a:t>
-            </a:r>
-            <a:endParaRPr lang="ja-JP" altLang="en-US">
-              <a:solidFill>
-                <a:srgbClr val="002060"/>
-              </a:solidFill>
-              <a:latin typeface="Times New Roman" panose="02020603050405020304" pitchFamily="18" charset="0"/>
-              <a:cs typeface="Times New Roman" panose="02020603050405020304" pitchFamily="18" charset="0"/>
-            </a:endParaRPr>
-          </a:p>
-        </p:txBody>
-      </p:sp>
-      <p:pic>
-        <p:nvPicPr>
-          <p:cNvPr id="1026" name="Picture 2" descr="\begin{align*}&#10;  e^{-iHt} = \sum_{n=0}^q \frac{(-iHt)^q}{n!} + \mathcal{O}\left( \frac{(\|H\|t)^n}{n!}\right)&#10;\end{align*}">
-            <a:extLst>
-              <a:ext uri="{FF2B5EF4-FFF2-40B4-BE49-F238E27FC236}">
-                <a16:creationId xmlns:a16="http://schemas.microsoft.com/office/drawing/2014/main" id="{C2867F76-054A-4A5C-D66A-95E321970E2B}"/>
-              </a:ext>
-            </a:extLst>
-          </p:cNvPr>
-          <p:cNvPicPr>
-            <a:picLocks noChangeAspect="1" noChangeArrowheads="1"/>
-          </p:cNvPicPr>
-          <p:nvPr/>
-        </p:nvPicPr>
-        <p:blipFill>
-          <a:blip r:embed="rId9">
-            <a:extLst>
-              <a:ext uri="{28A0092B-C50C-407E-A947-70E740481C1C}">
-                <a14:useLocalDpi xmlns:a14="http://schemas.microsoft.com/office/drawing/2010/main" val="0"/>
-              </a:ext>
-            </a:extLst>
-          </a:blip>
-          <a:srcRect/>
-          <a:stretch>
-            <a:fillRect/>
-          </a:stretch>
-        </p:blipFill>
-        <p:spPr bwMode="auto">
-          <a:xfrm>
-            <a:off x="7713015" y="8620065"/>
-            <a:ext cx="4948049" cy="831072"/>
-          </a:xfrm>
-          <a:prstGeom prst="rect">
-            <a:avLst/>
-          </a:prstGeom>
-          <a:noFill/>
-          <a:extLst>
-            <a:ext uri="{909E8E84-426E-40DD-AFC4-6F175D3DCCD1}">
-              <a14:hiddenFill xmlns:a14="http://schemas.microsoft.com/office/drawing/2010/main">
-                <a:solidFill>
-                  <a:srgbClr val="FFFFFF"/>
-                </a:solidFill>
-              </a14:hiddenFill>
-            </a:ext>
-          </a:extLst>
-        </p:spPr>
-      </p:pic>
-      <p:pic>
-        <p:nvPicPr>
-          <p:cNvPr id="18" name="図 17">
-            <a:extLst>
-              <a:ext uri="{FF2B5EF4-FFF2-40B4-BE49-F238E27FC236}">
-                <a16:creationId xmlns:a16="http://schemas.microsoft.com/office/drawing/2014/main" id="{E03C7DE5-ADEE-15CC-BA13-355B32815C1C}"/>
+                <a16:creationId xmlns:a16="http://schemas.microsoft.com/office/drawing/2014/main" id="{01C8B6E6-955D-6C9A-E9DD-D11D2FB183AC}"/>
               </a:ext>
             </a:extLst>
           </p:cNvPr>
@@ -4812,188 +4197,21 @@
           <p:nvPr/>
         </p:nvPicPr>
         <p:blipFill>
-          <a:blip r:embed="rId10"/>
-          <a:srcRect r="18454" b="10300"/>
+          <a:blip r:embed="rId5"/>
           <a:stretch>
             <a:fillRect/>
           </a:stretch>
         </p:blipFill>
         <p:spPr>
           <a:xfrm>
-            <a:off x="11502058" y="9646292"/>
-            <a:ext cx="1507267" cy="1176004"/>
+            <a:off x="8500585" y="6951075"/>
+            <a:ext cx="3946525" cy="1508965"/>
           </a:xfrm>
           <a:prstGeom prst="rect">
             <a:avLst/>
           </a:prstGeom>
         </p:spPr>
       </p:pic>
-      <p:pic>
-        <p:nvPicPr>
-          <p:cNvPr id="19" name="図 18">
-            <a:extLst>
-              <a:ext uri="{FF2B5EF4-FFF2-40B4-BE49-F238E27FC236}">
-                <a16:creationId xmlns:a16="http://schemas.microsoft.com/office/drawing/2014/main" id="{167415F0-4669-24A0-B8C1-0D4D1E94495C}"/>
-              </a:ext>
-            </a:extLst>
-          </p:cNvPr>
-          <p:cNvPicPr>
-            <a:picLocks noChangeAspect="1"/>
-          </p:cNvPicPr>
-          <p:nvPr/>
-        </p:nvPicPr>
-        <p:blipFill>
-          <a:blip r:embed="rId11"/>
-          <a:srcRect t="32011"/>
-          <a:stretch>
-            <a:fillRect/>
-          </a:stretch>
-        </p:blipFill>
-        <p:spPr>
-          <a:xfrm>
-            <a:off x="5555597" y="9744804"/>
-            <a:ext cx="2822716" cy="1021129"/>
-          </a:xfrm>
-          <a:prstGeom prst="rect">
-            <a:avLst/>
-          </a:prstGeom>
-        </p:spPr>
-      </p:pic>
-      <p:sp>
-        <p:nvSpPr>
-          <p:cNvPr id="21" name="テキスト ボックス 20">
-            <a:extLst>
-              <a:ext uri="{FF2B5EF4-FFF2-40B4-BE49-F238E27FC236}">
-                <a16:creationId xmlns:a16="http://schemas.microsoft.com/office/drawing/2014/main" id="{58FA11B1-F6CD-4AC6-4DA1-99D53D28BB6C}"/>
-              </a:ext>
-            </a:extLst>
-          </p:cNvPr>
-          <p:cNvSpPr txBox="1"/>
-          <p:nvPr/>
-        </p:nvSpPr>
-        <p:spPr>
-          <a:xfrm>
-            <a:off x="8391800" y="9657662"/>
-            <a:ext cx="2822716" cy="646331"/>
-          </a:xfrm>
-          <a:prstGeom prst="rect">
-            <a:avLst/>
-          </a:prstGeom>
-          <a:noFill/>
-        </p:spPr>
-        <p:txBody>
-          <a:bodyPr wrap="square">
-            <a:spAutoFit/>
-          </a:bodyPr>
-          <a:lstStyle/>
-          <a:p>
-            <a:r>
-              <a:rPr lang="ja-JP" altLang="en-US">
-                <a:solidFill>
-                  <a:srgbClr val="002060"/>
-                </a:solidFill>
-                <a:latin typeface="Times New Roman" panose="02020603050405020304" pitchFamily="18" charset="0"/>
-                <a:cs typeface="Times New Roman" panose="02020603050405020304" pitchFamily="18" charset="0"/>
-              </a:rPr>
-              <a:t>D. W. Berry, </a:t>
-            </a:r>
-            <a:r>
-              <a:rPr lang="en-US" altLang="ja-JP" dirty="0">
-                <a:solidFill>
-                  <a:srgbClr val="002060"/>
-                </a:solidFill>
-                <a:latin typeface="Times New Roman" panose="02020603050405020304" pitchFamily="18" charset="0"/>
-                <a:cs typeface="Times New Roman" panose="02020603050405020304" pitchFamily="18" charset="0"/>
-              </a:rPr>
-              <a:t>et al., </a:t>
-            </a:r>
-          </a:p>
-          <a:p>
-            <a:pPr algn="r"/>
-            <a:r>
-              <a:rPr lang="en-US" altLang="ja-JP" dirty="0">
-                <a:solidFill>
-                  <a:srgbClr val="002060"/>
-                </a:solidFill>
-                <a:latin typeface="Times New Roman" panose="02020603050405020304" pitchFamily="18" charset="0"/>
-                <a:cs typeface="Times New Roman" panose="02020603050405020304" pitchFamily="18" charset="0"/>
-              </a:rPr>
-              <a:t>PRL</a:t>
-            </a:r>
-            <a:r>
-              <a:rPr lang="ja-JP" altLang="en-US">
-                <a:solidFill>
-                  <a:srgbClr val="002060"/>
-                </a:solidFill>
-                <a:latin typeface="Times New Roman" panose="02020603050405020304" pitchFamily="18" charset="0"/>
-                <a:cs typeface="Times New Roman" panose="02020603050405020304" pitchFamily="18" charset="0"/>
-              </a:rPr>
-              <a:t> 114, 090502 (2015).</a:t>
-            </a:r>
-          </a:p>
-        </p:txBody>
-      </p:sp>
-      <p:sp>
-        <p:nvSpPr>
-          <p:cNvPr id="23" name="テキスト ボックス 22">
-            <a:extLst>
-              <a:ext uri="{FF2B5EF4-FFF2-40B4-BE49-F238E27FC236}">
-                <a16:creationId xmlns:a16="http://schemas.microsoft.com/office/drawing/2014/main" id="{0C87502B-C003-14CF-793C-6259A60A457E}"/>
-              </a:ext>
-            </a:extLst>
-          </p:cNvPr>
-          <p:cNvSpPr txBox="1"/>
-          <p:nvPr/>
-        </p:nvSpPr>
-        <p:spPr>
-          <a:xfrm>
-            <a:off x="8445785" y="10349397"/>
-            <a:ext cx="3056273" cy="369332"/>
-          </a:xfrm>
-          <a:prstGeom prst="rect">
-            <a:avLst/>
-          </a:prstGeom>
-          <a:noFill/>
-        </p:spPr>
-        <p:txBody>
-          <a:bodyPr wrap="square">
-            <a:spAutoFit/>
-          </a:bodyPr>
-          <a:lstStyle/>
-          <a:p>
-            <a:r>
-              <a:rPr lang="ja-JP" altLang="en-US">
-                <a:solidFill>
-                  <a:srgbClr val="002060"/>
-                </a:solidFill>
-                <a:latin typeface="Times New Roman" panose="02020603050405020304" pitchFamily="18" charset="0"/>
-                <a:cs typeface="Times New Roman" panose="02020603050405020304" pitchFamily="18" charset="0"/>
-              </a:rPr>
-              <a:t>A. Gilyén, </a:t>
-            </a:r>
-            <a:r>
-              <a:rPr lang="en-US" altLang="ja-JP" dirty="0">
-                <a:solidFill>
-                  <a:srgbClr val="002060"/>
-                </a:solidFill>
-                <a:latin typeface="Times New Roman" panose="02020603050405020304" pitchFamily="18" charset="0"/>
-                <a:cs typeface="Times New Roman" panose="02020603050405020304" pitchFamily="18" charset="0"/>
-              </a:rPr>
-              <a:t>et al.</a:t>
-            </a:r>
-            <a:r>
-              <a:rPr lang="ja-JP" altLang="en-US">
-                <a:solidFill>
-                  <a:srgbClr val="002060"/>
-                </a:solidFill>
-                <a:latin typeface="Times New Roman" panose="02020603050405020304" pitchFamily="18" charset="0"/>
-                <a:cs typeface="Times New Roman" panose="02020603050405020304" pitchFamily="18" charset="0"/>
-              </a:rPr>
-              <a:t>, STOC 2019</a:t>
-            </a:r>
-          </a:p>
-        </p:txBody>
-      </p:sp>
     </p:spTree>
     <p:extLst>
       <p:ext uri="{BB962C8B-B14F-4D97-AF65-F5344CB8AC3E}">
